--- a/Documentation/Iteration2.pptx
+++ b/Documentation/Iteration2.pptx
@@ -6473,7 +6473,7 @@
           </a:ln>
           <a:extLst>
             <a:ext uri="{C572A759-6A51-4108-AA02-DFA0A04FC94B}">
-              <ma14:wrappingTextBoxFlag xmlns:ma14="http://schemas.microsoft.com/office/mac/drawingml/2011/main" xmlns="" val="1"/>
+              <ma14:wrappingTextBoxFlag xmlns="" xmlns:ma14="http://schemas.microsoft.com/office/mac/drawingml/2011/main" val="1"/>
             </a:ext>
           </a:extLst>
         </p:spPr>
@@ -8427,12 +8427,8 @@
           <a:lstStyle/>
           <a:p>
             <a:r>
-              <a:rPr lang="en-US" sz="6000" dirty="0" err="1"/>
-              <a:t>Domin</a:t>
-            </a:r>
-            <a:r>
               <a:rPr lang="en-US" sz="6000" dirty="0"/>
-              <a:t> Model V2.0</a:t>
+              <a:t>Domain Model V2.0</a:t>
             </a:r>
             <a:endParaRPr sz="6000" dirty="0"/>
           </a:p>

--- a/Documentation/Iteration2.pptx
+++ b/Documentation/Iteration2.pptx
@@ -5,20 +5,23 @@
     <p:sldMasterId id="2147483661" r:id="rId1"/>
   </p:sldMasterIdLst>
   <p:notesMasterIdLst>
-    <p:notesMasterId r:id="rId13"/>
+    <p:notesMasterId r:id="rId16"/>
   </p:notesMasterIdLst>
   <p:sldIdLst>
     <p:sldId id="256" r:id="rId2"/>
     <p:sldId id="260" r:id="rId3"/>
     <p:sldId id="262" r:id="rId4"/>
-    <p:sldId id="264" r:id="rId5"/>
-    <p:sldId id="273" r:id="rId6"/>
-    <p:sldId id="267" r:id="rId7"/>
-    <p:sldId id="268" r:id="rId8"/>
-    <p:sldId id="269" r:id="rId9"/>
-    <p:sldId id="271" r:id="rId10"/>
-    <p:sldId id="272" r:id="rId11"/>
-    <p:sldId id="270" r:id="rId12"/>
+    <p:sldId id="273" r:id="rId5"/>
+    <p:sldId id="274" r:id="rId6"/>
+    <p:sldId id="275" r:id="rId7"/>
+    <p:sldId id="276" r:id="rId8"/>
+    <p:sldId id="277" r:id="rId9"/>
+    <p:sldId id="267" r:id="rId10"/>
+    <p:sldId id="268" r:id="rId11"/>
+    <p:sldId id="269" r:id="rId12"/>
+    <p:sldId id="271" r:id="rId13"/>
+    <p:sldId id="272" r:id="rId14"/>
+    <p:sldId id="270" r:id="rId15"/>
   </p:sldIdLst>
   <p:sldSz cx="13004800" cy="9753600"/>
   <p:notesSz cx="6858000" cy="9144000"/>
@@ -1103,7 +1106,7 @@
             <a:fld id="{B61BEF0D-F0BB-DE4B-95CE-6DB70DBA9567}" type="datetimeFigureOut">
               <a:rPr lang="en-US" dirty="0"/>
               <a:pPr/>
-              <a:t>10/22/2018</a:t>
+              <a:t>10/23/2018</a:t>
             </a:fld>
             <a:endParaRPr lang="en-US" dirty="0"/>
           </a:p>
@@ -1355,7 +1358,7 @@
             <a:fld id="{B61BEF0D-F0BB-DE4B-95CE-6DB70DBA9567}" type="datetimeFigureOut">
               <a:rPr lang="en-US" dirty="0"/>
               <a:pPr/>
-              <a:t>10/22/2018</a:t>
+              <a:t>10/23/2018</a:t>
             </a:fld>
             <a:endParaRPr lang="en-US" dirty="0"/>
           </a:p>
@@ -1670,7 +1673,7 @@
             <a:fld id="{B61BEF0D-F0BB-DE4B-95CE-6DB70DBA9567}" type="datetimeFigureOut">
               <a:rPr lang="en-US" dirty="0"/>
               <a:pPr/>
-              <a:t>10/22/2018</a:t>
+              <a:t>10/23/2018</a:t>
             </a:fld>
             <a:endParaRPr lang="en-US" dirty="0"/>
           </a:p>
@@ -2004,7 +2007,7 @@
             <a:fld id="{B61BEF0D-F0BB-DE4B-95CE-6DB70DBA9567}" type="datetimeFigureOut">
               <a:rPr lang="en-US" dirty="0"/>
               <a:pPr/>
-              <a:t>10/22/2018</a:t>
+              <a:t>10/23/2018</a:t>
             </a:fld>
             <a:endParaRPr lang="en-US" dirty="0"/>
           </a:p>
@@ -2319,7 +2322,7 @@
             <a:fld id="{B61BEF0D-F0BB-DE4B-95CE-6DB70DBA9567}" type="datetimeFigureOut">
               <a:rPr lang="en-US" dirty="0"/>
               <a:pPr/>
-              <a:t>10/22/2018</a:t>
+              <a:t>10/23/2018</a:t>
             </a:fld>
             <a:endParaRPr lang="en-US" dirty="0"/>
           </a:p>
@@ -2713,7 +2716,7 @@
             <a:fld id="{B61BEF0D-F0BB-DE4B-95CE-6DB70DBA9567}" type="datetimeFigureOut">
               <a:rPr lang="en-US" dirty="0"/>
               <a:pPr/>
-              <a:t>10/22/2018</a:t>
+              <a:t>10/23/2018</a:t>
             </a:fld>
             <a:endParaRPr lang="en-US" dirty="0"/>
           </a:p>
@@ -2883,7 +2886,7 @@
           <a:p>
             <a:fld id="{70DDF080-5E8C-48AD-84E5-6C08B304C14E}" type="datetimeFigureOut">
               <a:rPr lang="en-US" dirty="0"/>
-              <a:t>10/22/2018</a:t>
+              <a:t>10/23/2018</a:t>
             </a:fld>
             <a:endParaRPr lang="en-US" dirty="0"/>
           </a:p>
@@ -3064,7 +3067,7 @@
             <a:fld id="{B61BEF0D-F0BB-DE4B-95CE-6DB70DBA9567}" type="datetimeFigureOut">
               <a:rPr lang="en-US" dirty="0"/>
               <a:pPr/>
-              <a:t>10/22/2018</a:t>
+              <a:t>10/23/2018</a:t>
             </a:fld>
             <a:endParaRPr lang="en-US" dirty="0"/>
           </a:p>
@@ -3381,7 +3384,7 @@
           <a:p>
             <a:fld id="{70DDF080-5E8C-48AD-84E5-6C08B304C14E}" type="datetimeFigureOut">
               <a:rPr lang="en-US" dirty="0"/>
-              <a:t>10/22/2018</a:t>
+              <a:t>10/23/2018</a:t>
             </a:fld>
             <a:endParaRPr lang="en-US" dirty="0"/>
           </a:p>
@@ -3629,7 +3632,7 @@
             <a:fld id="{B61BEF0D-F0BB-DE4B-95CE-6DB70DBA9567}" type="datetimeFigureOut">
               <a:rPr lang="en-US" dirty="0"/>
               <a:pPr/>
-              <a:t>10/22/2018</a:t>
+              <a:t>10/23/2018</a:t>
             </a:fld>
             <a:endParaRPr lang="en-US" dirty="0"/>
           </a:p>
@@ -3927,7 +3930,7 @@
             <a:fld id="{B61BEF0D-F0BB-DE4B-95CE-6DB70DBA9567}" type="datetimeFigureOut">
               <a:rPr lang="en-US" dirty="0"/>
               <a:pPr/>
-              <a:t>10/22/2018</a:t>
+              <a:t>10/23/2018</a:t>
             </a:fld>
             <a:endParaRPr lang="en-US" dirty="0"/>
           </a:p>
@@ -4307,7 +4310,7 @@
             <a:fld id="{B61BEF0D-F0BB-DE4B-95CE-6DB70DBA9567}" type="datetimeFigureOut">
               <a:rPr lang="en-US" dirty="0"/>
               <a:pPr/>
-              <a:t>10/22/2018</a:t>
+              <a:t>10/23/2018</a:t>
             </a:fld>
             <a:endParaRPr lang="en-US" dirty="0"/>
           </a:p>
@@ -4431,7 +4434,7 @@
             <a:fld id="{B61BEF0D-F0BB-DE4B-95CE-6DB70DBA9567}" type="datetimeFigureOut">
               <a:rPr lang="en-US" dirty="0"/>
               <a:pPr/>
-              <a:t>10/22/2018</a:t>
+              <a:t>10/23/2018</a:t>
             </a:fld>
             <a:endParaRPr lang="en-US" dirty="0"/>
           </a:p>
@@ -4527,7 +4530,7 @@
             <a:fld id="{B61BEF0D-F0BB-DE4B-95CE-6DB70DBA9567}" type="datetimeFigureOut">
               <a:rPr lang="en-US" dirty="0"/>
               <a:pPr/>
-              <a:t>10/22/2018</a:t>
+              <a:t>10/23/2018</a:t>
             </a:fld>
             <a:endParaRPr lang="en-US" dirty="0"/>
           </a:p>
@@ -4782,7 +4785,7 @@
           <a:p>
             <a:fld id="{70DDF080-5E8C-48AD-84E5-6C08B304C14E}" type="datetimeFigureOut">
               <a:rPr lang="en-US" dirty="0"/>
-              <a:t>10/22/2018</a:t>
+              <a:t>10/23/2018</a:t>
             </a:fld>
             <a:endParaRPr lang="en-US" dirty="0"/>
           </a:p>
@@ -5046,7 +5049,7 @@
             <a:fld id="{B61BEF0D-F0BB-DE4B-95CE-6DB70DBA9567}" type="datetimeFigureOut">
               <a:rPr lang="en-US" dirty="0"/>
               <a:pPr/>
-              <a:t>10/22/2018</a:t>
+              <a:t>10/23/2018</a:t>
             </a:fld>
             <a:endParaRPr lang="en-US" dirty="0"/>
           </a:p>
@@ -5861,7 +5864,7 @@
             <a:fld id="{B61BEF0D-F0BB-DE4B-95CE-6DB70DBA9567}" type="datetimeFigureOut">
               <a:rPr lang="en-US" dirty="0"/>
               <a:pPr/>
-              <a:t>10/22/2018</a:t>
+              <a:t>10/23/2018</a:t>
             </a:fld>
             <a:endParaRPr lang="en-US" dirty="0"/>
           </a:p>
@@ -6473,7 +6476,7 @@
           </a:ln>
           <a:extLst>
             <a:ext uri="{C572A759-6A51-4108-AA02-DFA0A04FC94B}">
-              <ma14:wrappingTextBoxFlag xmlns="" xmlns:ma14="http://schemas.microsoft.com/office/mac/drawingml/2011/main" val="1"/>
+              <ma14:wrappingTextBoxFlag xmlns:ma14="http://schemas.microsoft.com/office/mac/drawingml/2011/main" xmlns="" val="1"/>
             </a:ext>
           </a:extLst>
         </p:spPr>
@@ -6577,7 +6580,300 @@
 </file>
 
 <file path=ppt/slides/slide10.xml><?xml version="1.0" encoding="utf-8"?>
-<p:sld xmlns:a="http://schemas.openxmlformats.org/drawingml/2006/main" xmlns:r="http://schemas.openxmlformats.org/officeDocument/2006/relationships" xmlns:p="http://schemas.openxmlformats.org/presentationml/2006/main">
+<p:sld xmlns:a="http://schemas.openxmlformats.org/drawingml/2006/main" xmlns:r="http://schemas.openxmlformats.org/officeDocument/2006/relationships" xmlns:p="http://schemas.openxmlformats.org/presentationml/2006/main" show="0">
+  <p:cSld>
+    <p:spTree>
+      <p:nvGrpSpPr>
+        <p:cNvPr id="1" name=""/>
+        <p:cNvGrpSpPr/>
+        <p:nvPr/>
+      </p:nvGrpSpPr>
+      <p:grpSpPr>
+        <a:xfrm>
+          <a:off x="0" y="0"/>
+          <a:ext cx="0" cy="0"/>
+          <a:chOff x="0" y="0"/>
+          <a:chExt cx="0" cy="0"/>
+        </a:xfrm>
+      </p:grpSpPr>
+      <p:sp>
+        <p:nvSpPr>
+          <p:cNvPr id="152" name="Title"/>
+          <p:cNvSpPr txBox="1">
+            <a:spLocks noGrp="1"/>
+          </p:cNvSpPr>
+          <p:nvPr>
+            <p:ph type="title"/>
+          </p:nvPr>
+        </p:nvSpPr>
+        <p:spPr>
+          <a:xfrm>
+            <a:off x="866985" y="866988"/>
+            <a:ext cx="9027858" cy="929156"/>
+          </a:xfrm>
+          <a:prstGeom prst="rect">
+            <a:avLst/>
+          </a:prstGeom>
+        </p:spPr>
+        <p:txBody>
+          <a:bodyPr>
+            <a:normAutofit fontScale="90000"/>
+          </a:bodyPr>
+          <a:lstStyle/>
+          <a:p>
+            <a:r>
+              <a:rPr lang="en-US" dirty="0"/>
+              <a:t>Register Page Demo</a:t>
+            </a:r>
+            <a:br>
+              <a:rPr lang="en-US" dirty="0"/>
+            </a:br>
+            <a:endParaRPr dirty="0"/>
+          </a:p>
+        </p:txBody>
+      </p:sp>
+      <p:pic>
+        <p:nvPicPr>
+          <p:cNvPr id="5" name="Picture 4" descr="Design Preview [RegisterGUI]">
+            <a:extLst>
+              <a:ext uri="{FF2B5EF4-FFF2-40B4-BE49-F238E27FC236}">
+                <a16:creationId xmlns:a16="http://schemas.microsoft.com/office/drawing/2014/main" id="{C45AC925-C150-47E9-A4BD-B1622EC8D8D8}"/>
+              </a:ext>
+            </a:extLst>
+          </p:cNvPr>
+          <p:cNvPicPr>
+            <a:picLocks noChangeAspect="1"/>
+          </p:cNvPicPr>
+          <p:nvPr/>
+        </p:nvPicPr>
+        <p:blipFill>
+          <a:blip r:embed="rId2">
+            <a:extLst>
+              <a:ext uri="{28A0092B-C50C-407E-A947-70E740481C1C}">
+                <a14:useLocalDpi xmlns:a14="http://schemas.microsoft.com/office/drawing/2010/main" val="0"/>
+              </a:ext>
+            </a:extLst>
+          </a:blip>
+          <a:stretch>
+            <a:fillRect/>
+          </a:stretch>
+        </p:blipFill>
+        <p:spPr>
+          <a:xfrm>
+            <a:off x="866984" y="1796143"/>
+            <a:ext cx="9027857" cy="6796111"/>
+          </a:xfrm>
+          <a:prstGeom prst="rect">
+            <a:avLst/>
+          </a:prstGeom>
+        </p:spPr>
+      </p:pic>
+    </p:spTree>
+  </p:cSld>
+  <p:clrMapOvr>
+    <a:masterClrMapping/>
+  </p:clrMapOvr>
+  <p:transition spd="med"/>
+</p:sld>
+</file>
+
+<file path=ppt/slides/slide11.xml><?xml version="1.0" encoding="utf-8"?>
+<p:sld xmlns:a="http://schemas.openxmlformats.org/drawingml/2006/main" xmlns:r="http://schemas.openxmlformats.org/officeDocument/2006/relationships" xmlns:p="http://schemas.openxmlformats.org/presentationml/2006/main" show="0">
+  <p:cSld>
+    <p:spTree>
+      <p:nvGrpSpPr>
+        <p:cNvPr id="1" name=""/>
+        <p:cNvGrpSpPr/>
+        <p:nvPr/>
+      </p:nvGrpSpPr>
+      <p:grpSpPr>
+        <a:xfrm>
+          <a:off x="0" y="0"/>
+          <a:ext cx="0" cy="0"/>
+          <a:chOff x="0" y="0"/>
+          <a:chExt cx="0" cy="0"/>
+        </a:xfrm>
+      </p:grpSpPr>
+      <p:sp>
+        <p:nvSpPr>
+          <p:cNvPr id="156" name="Title"/>
+          <p:cNvSpPr txBox="1">
+            <a:spLocks noGrp="1"/>
+          </p:cNvSpPr>
+          <p:nvPr>
+            <p:ph type="title"/>
+          </p:nvPr>
+        </p:nvSpPr>
+        <p:spPr>
+          <a:xfrm>
+            <a:off x="866986" y="823444"/>
+            <a:ext cx="9027858" cy="972699"/>
+          </a:xfrm>
+          <a:prstGeom prst="rect">
+            <a:avLst/>
+          </a:prstGeom>
+        </p:spPr>
+        <p:txBody>
+          <a:bodyPr>
+            <a:normAutofit fontScale="90000"/>
+          </a:bodyPr>
+          <a:lstStyle/>
+          <a:p>
+            <a:r>
+              <a:rPr lang="en-US" dirty="0"/>
+              <a:t>Driver/Vehicle Info Page Demo</a:t>
+            </a:r>
+            <a:endParaRPr dirty="0"/>
+          </a:p>
+        </p:txBody>
+      </p:sp>
+      <p:pic>
+        <p:nvPicPr>
+          <p:cNvPr id="3" name="Picture 2" descr="Design Preview [Driver_VehicleInfoGUI]">
+            <a:extLst>
+              <a:ext uri="{FF2B5EF4-FFF2-40B4-BE49-F238E27FC236}">
+                <a16:creationId xmlns:a16="http://schemas.microsoft.com/office/drawing/2014/main" id="{BC23EE55-5F0B-4519-881A-F7573F0D4197}"/>
+              </a:ext>
+            </a:extLst>
+          </p:cNvPr>
+          <p:cNvPicPr>
+            <a:picLocks noChangeAspect="1"/>
+          </p:cNvPicPr>
+          <p:nvPr/>
+        </p:nvPicPr>
+        <p:blipFill>
+          <a:blip r:embed="rId2">
+            <a:extLst>
+              <a:ext uri="{28A0092B-C50C-407E-A947-70E740481C1C}">
+                <a14:useLocalDpi xmlns:a14="http://schemas.microsoft.com/office/drawing/2010/main" val="0"/>
+              </a:ext>
+            </a:extLst>
+          </a:blip>
+          <a:stretch>
+            <a:fillRect/>
+          </a:stretch>
+        </p:blipFill>
+        <p:spPr>
+          <a:xfrm>
+            <a:off x="866986" y="1580111"/>
+            <a:ext cx="9237979" cy="6954289"/>
+          </a:xfrm>
+          <a:prstGeom prst="rect">
+            <a:avLst/>
+          </a:prstGeom>
+        </p:spPr>
+      </p:pic>
+    </p:spTree>
+  </p:cSld>
+  <p:clrMapOvr>
+    <a:masterClrMapping/>
+  </p:clrMapOvr>
+  <p:transition spd="med"/>
+</p:sld>
+</file>
+
+<file path=ppt/slides/slide12.xml><?xml version="1.0" encoding="utf-8"?>
+<p:sld xmlns:a="http://schemas.openxmlformats.org/drawingml/2006/main" xmlns:r="http://schemas.openxmlformats.org/officeDocument/2006/relationships" xmlns:p="http://schemas.openxmlformats.org/presentationml/2006/main" show="0">
+  <p:cSld>
+    <p:spTree>
+      <p:nvGrpSpPr>
+        <p:cNvPr id="1" name=""/>
+        <p:cNvGrpSpPr/>
+        <p:nvPr/>
+      </p:nvGrpSpPr>
+      <p:grpSpPr>
+        <a:xfrm>
+          <a:off x="0" y="0"/>
+          <a:ext cx="0" cy="0"/>
+          <a:chOff x="0" y="0"/>
+          <a:chExt cx="0" cy="0"/>
+        </a:xfrm>
+      </p:grpSpPr>
+      <p:sp>
+        <p:nvSpPr>
+          <p:cNvPr id="156" name="Title"/>
+          <p:cNvSpPr txBox="1">
+            <a:spLocks noGrp="1"/>
+          </p:cNvSpPr>
+          <p:nvPr>
+            <p:ph type="title"/>
+          </p:nvPr>
+        </p:nvSpPr>
+        <p:spPr>
+          <a:xfrm>
+            <a:off x="866986" y="823444"/>
+            <a:ext cx="9027858" cy="972699"/>
+          </a:xfrm>
+          <a:prstGeom prst="rect">
+            <a:avLst/>
+          </a:prstGeom>
+        </p:spPr>
+        <p:txBody>
+          <a:bodyPr>
+            <a:normAutofit/>
+          </a:bodyPr>
+          <a:lstStyle/>
+          <a:p>
+            <a:r>
+              <a:rPr lang="en-US" dirty="0"/>
+              <a:t>Message Board Demo</a:t>
+            </a:r>
+            <a:endParaRPr dirty="0"/>
+          </a:p>
+        </p:txBody>
+      </p:sp>
+      <p:pic>
+        <p:nvPicPr>
+          <p:cNvPr id="6" name="Picture 5" descr="Design Preview [MessageBoardGUI]">
+            <a:extLst>
+              <a:ext uri="{FF2B5EF4-FFF2-40B4-BE49-F238E27FC236}">
+                <a16:creationId xmlns:a16="http://schemas.microsoft.com/office/drawing/2014/main" id="{F1B513D0-8F3B-4AD3-88C5-E9E01A0F1BE8}"/>
+              </a:ext>
+            </a:extLst>
+          </p:cNvPr>
+          <p:cNvPicPr>
+            <a:picLocks noChangeAspect="1"/>
+          </p:cNvPicPr>
+          <p:nvPr/>
+        </p:nvPicPr>
+        <p:blipFill>
+          <a:blip r:embed="rId2">
+            <a:extLst>
+              <a:ext uri="{28A0092B-C50C-407E-A947-70E740481C1C}">
+                <a14:useLocalDpi xmlns:a14="http://schemas.microsoft.com/office/drawing/2010/main" val="0"/>
+              </a:ext>
+            </a:extLst>
+          </a:blip>
+          <a:stretch>
+            <a:fillRect/>
+          </a:stretch>
+        </p:blipFill>
+        <p:spPr>
+          <a:xfrm>
+            <a:off x="866985" y="1796143"/>
+            <a:ext cx="9211293" cy="6934200"/>
+          </a:xfrm>
+          <a:prstGeom prst="rect">
+            <a:avLst/>
+          </a:prstGeom>
+        </p:spPr>
+      </p:pic>
+    </p:spTree>
+    <p:extLst>
+      <p:ext uri="{BB962C8B-B14F-4D97-AF65-F5344CB8AC3E}">
+        <p14:creationId xmlns:p14="http://schemas.microsoft.com/office/powerpoint/2010/main" val="1521440304"/>
+      </p:ext>
+    </p:extLst>
+  </p:cSld>
+  <p:clrMapOvr>
+    <a:masterClrMapping/>
+  </p:clrMapOvr>
+  <p:transition spd="med"/>
+</p:sld>
+</file>
+
+<file path=ppt/slides/slide13.xml><?xml version="1.0" encoding="utf-8"?>
+<p:sld xmlns:a="http://schemas.openxmlformats.org/drawingml/2006/main" xmlns:r="http://schemas.openxmlformats.org/officeDocument/2006/relationships" xmlns:p="http://schemas.openxmlformats.org/presentationml/2006/main" show="0">
   <p:cSld>
     <p:spTree>
       <p:nvGrpSpPr>
@@ -6676,7 +6972,7 @@
 </p:sld>
 </file>
 
-<file path=ppt/slides/slide11.xml><?xml version="1.0" encoding="utf-8"?>
+<file path=ppt/slides/slide14.xml><?xml version="1.0" encoding="utf-8"?>
 <p:sld xmlns:a="http://schemas.openxmlformats.org/drawingml/2006/main" xmlns:r="http://schemas.openxmlformats.org/officeDocument/2006/relationships" xmlns:p="http://schemas.openxmlformats.org/presentationml/2006/main">
   <p:cSld>
     <p:bg>
@@ -8197,7 +8493,7 @@
         </p:nvSpPr>
         <p:spPr>
           <a:xfrm>
-            <a:off x="353786" y="403727"/>
+            <a:off x="5128601" y="3712984"/>
             <a:ext cx="5851071" cy="1044073"/>
           </a:xfrm>
           <a:prstGeom prst="rect">
@@ -8236,8 +8532,8 @@
         </p:nvSpPr>
         <p:spPr>
           <a:xfrm>
-            <a:off x="587829" y="2340429"/>
-            <a:ext cx="9584871" cy="369332"/>
+            <a:off x="5503162" y="4963888"/>
+            <a:ext cx="5101948" cy="369332"/>
           </a:xfrm>
           <a:prstGeom prst="rect">
             <a:avLst/>
@@ -8257,6 +8553,42 @@
           </a:p>
         </p:txBody>
       </p:sp>
+      <p:pic>
+        <p:nvPicPr>
+          <p:cNvPr id="4" name="Picture 3">
+            <a:extLst>
+              <a:ext uri="{FF2B5EF4-FFF2-40B4-BE49-F238E27FC236}">
+                <a16:creationId xmlns:a16="http://schemas.microsoft.com/office/drawing/2014/main" id="{4EB11DEB-30A1-495D-B87D-D024A76E6FD7}"/>
+              </a:ext>
+            </a:extLst>
+          </p:cNvPr>
+          <p:cNvPicPr>
+            <a:picLocks noChangeAspect="1"/>
+          </p:cNvPicPr>
+          <p:nvPr/>
+        </p:nvPicPr>
+        <p:blipFill>
+          <a:blip r:embed="rId2">
+            <a:extLst>
+              <a:ext uri="{28A0092B-C50C-407E-A947-70E740481C1C}">
+                <a14:useLocalDpi xmlns:a14="http://schemas.microsoft.com/office/drawing/2010/main" val="0"/>
+              </a:ext>
+            </a:extLst>
+          </a:blip>
+          <a:stretch>
+            <a:fillRect/>
+          </a:stretch>
+        </p:blipFill>
+        <p:spPr>
+          <a:xfrm>
+            <a:off x="504251" y="348343"/>
+            <a:ext cx="4619857" cy="9056914"/>
+          </a:xfrm>
+          <a:prstGeom prst="rect">
+            <a:avLst/>
+          </a:prstGeom>
+        </p:spPr>
+      </p:pic>
     </p:spTree>
   </p:cSld>
   <p:clrMapOvr>
@@ -8316,6 +8648,78 @@
           </a:p>
         </p:txBody>
       </p:sp>
+      <p:pic>
+        <p:nvPicPr>
+          <p:cNvPr id="4" name="Picture 3">
+            <a:extLst>
+              <a:ext uri="{FF2B5EF4-FFF2-40B4-BE49-F238E27FC236}">
+                <a16:creationId xmlns:a16="http://schemas.microsoft.com/office/drawing/2014/main" id="{14322646-E501-4A91-8891-0D1599D58BDC}"/>
+              </a:ext>
+            </a:extLst>
+          </p:cNvPr>
+          <p:cNvPicPr>
+            <a:picLocks noChangeAspect="1"/>
+          </p:cNvPicPr>
+          <p:nvPr/>
+        </p:nvPicPr>
+        <p:blipFill>
+          <a:blip r:embed="rId2">
+            <a:extLst>
+              <a:ext uri="{28A0092B-C50C-407E-A947-70E740481C1C}">
+                <a14:useLocalDpi xmlns:a14="http://schemas.microsoft.com/office/drawing/2010/main" val="0"/>
+              </a:ext>
+            </a:extLst>
+          </a:blip>
+          <a:stretch>
+            <a:fillRect/>
+          </a:stretch>
+        </p:blipFill>
+        <p:spPr>
+          <a:xfrm>
+            <a:off x="3917041" y="1794329"/>
+            <a:ext cx="3082471" cy="3082471"/>
+          </a:xfrm>
+          <a:prstGeom prst="rect">
+            <a:avLst/>
+          </a:prstGeom>
+        </p:spPr>
+      </p:pic>
+      <p:pic>
+        <p:nvPicPr>
+          <p:cNvPr id="6" name="Picture 5">
+            <a:extLst>
+              <a:ext uri="{FF2B5EF4-FFF2-40B4-BE49-F238E27FC236}">
+                <a16:creationId xmlns:a16="http://schemas.microsoft.com/office/drawing/2014/main" id="{DB39DB8E-8E7B-4B06-B4A0-B49712DB79C7}"/>
+              </a:ext>
+            </a:extLst>
+          </p:cNvPr>
+          <p:cNvPicPr>
+            <a:picLocks noChangeAspect="1"/>
+          </p:cNvPicPr>
+          <p:nvPr/>
+        </p:nvPicPr>
+        <p:blipFill>
+          <a:blip r:embed="rId3">
+            <a:extLst>
+              <a:ext uri="{28A0092B-C50C-407E-A947-70E740481C1C}">
+                <a14:useLocalDpi xmlns:a14="http://schemas.microsoft.com/office/drawing/2010/main" val="0"/>
+              </a:ext>
+            </a:extLst>
+          </a:blip>
+          <a:stretch>
+            <a:fillRect/>
+          </a:stretch>
+        </p:blipFill>
+        <p:spPr>
+          <a:xfrm>
+            <a:off x="1537154" y="4117976"/>
+            <a:ext cx="7143750" cy="4019550"/>
+          </a:xfrm>
+          <a:prstGeom prst="rect">
+            <a:avLst/>
+          </a:prstGeom>
+        </p:spPr>
+      </p:pic>
     </p:spTree>
   </p:cSld>
   <p:clrMapOvr>
@@ -8354,8 +8758,8 @@
         </p:nvSpPr>
         <p:spPr>
           <a:xfrm>
-            <a:off x="375558" y="415473"/>
-            <a:ext cx="2857500" cy="945242"/>
+            <a:off x="639061" y="626592"/>
+            <a:ext cx="6917871" cy="956127"/>
           </a:xfrm>
           <a:prstGeom prst="rect">
             <a:avLst/>
@@ -8369,13 +8773,54 @@
           <a:p>
             <a:r>
               <a:rPr lang="en-US" sz="6000" dirty="0"/>
-              <a:t>maven</a:t>
+              <a:t>Domain Model V2.0</a:t>
             </a:r>
             <a:endParaRPr sz="6000" dirty="0"/>
           </a:p>
         </p:txBody>
       </p:sp>
+      <p:pic>
+        <p:nvPicPr>
+          <p:cNvPr id="6" name="Picture 5">
+            <a:extLst>
+              <a:ext uri="{FF2B5EF4-FFF2-40B4-BE49-F238E27FC236}">
+                <a16:creationId xmlns:a16="http://schemas.microsoft.com/office/drawing/2014/main" id="{8A99747B-AB84-4804-88A5-FEDBC324F182}"/>
+              </a:ext>
+            </a:extLst>
+          </p:cNvPr>
+          <p:cNvPicPr>
+            <a:picLocks noChangeAspect="1"/>
+          </p:cNvPicPr>
+          <p:nvPr/>
+        </p:nvPicPr>
+        <p:blipFill>
+          <a:blip r:embed="rId2">
+            <a:extLst>
+              <a:ext uri="{28A0092B-C50C-407E-A947-70E740481C1C}">
+                <a14:useLocalDpi xmlns:a14="http://schemas.microsoft.com/office/drawing/2010/main" val="0"/>
+              </a:ext>
+            </a:extLst>
+          </a:blip>
+          <a:stretch>
+            <a:fillRect/>
+          </a:stretch>
+        </p:blipFill>
+        <p:spPr>
+          <a:xfrm>
+            <a:off x="639061" y="1738453"/>
+            <a:ext cx="9419339" cy="6910491"/>
+          </a:xfrm>
+          <a:prstGeom prst="rect">
+            <a:avLst/>
+          </a:prstGeom>
+        </p:spPr>
+      </p:pic>
     </p:spTree>
+    <p:extLst>
+      <p:ext uri="{BB962C8B-B14F-4D97-AF65-F5344CB8AC3E}">
+        <p14:creationId xmlns:p14="http://schemas.microsoft.com/office/powerpoint/2010/main" val="3718677474"/>
+      </p:ext>
+    </p:extLst>
   </p:cSld>
   <p:clrMapOvr>
     <a:masterClrMapping/>
@@ -8403,8 +8848,73 @@
       </p:grpSpPr>
       <p:sp>
         <p:nvSpPr>
-          <p:cNvPr id="141" name="Use Case Diagram"/>
-          <p:cNvSpPr txBox="1">
+          <p:cNvPr id="2" name="Title 1">
+            <a:extLst>
+              <a:ext uri="{FF2B5EF4-FFF2-40B4-BE49-F238E27FC236}">
+                <a16:creationId xmlns:a16="http://schemas.microsoft.com/office/drawing/2014/main" id="{3B3389FB-D43F-4CBA-A12D-15030DCB330A}"/>
+              </a:ext>
+            </a:extLst>
+          </p:cNvPr>
+          <p:cNvSpPr>
+            <a:spLocks noGrp="1"/>
+          </p:cNvSpPr>
+          <p:nvPr>
+            <p:ph type="title"/>
+          </p:nvPr>
+        </p:nvSpPr>
+        <p:spPr/>
+        <p:txBody>
+          <a:bodyPr/>
+          <a:lstStyle/>
+          <a:p>
+            <a:r>
+              <a:rPr lang="en-US" dirty="0"/>
+              <a:t>Class Diagram V2.0</a:t>
+            </a:r>
+          </a:p>
+        </p:txBody>
+      </p:sp>
+    </p:spTree>
+    <p:extLst>
+      <p:ext uri="{BB962C8B-B14F-4D97-AF65-F5344CB8AC3E}">
+        <p14:creationId xmlns:p14="http://schemas.microsoft.com/office/powerpoint/2010/main" val="2109142703"/>
+      </p:ext>
+    </p:extLst>
+  </p:cSld>
+  <p:clrMapOvr>
+    <a:masterClrMapping/>
+  </p:clrMapOvr>
+  <p:transition spd="med"/>
+</p:sld>
+</file>
+
+<file path=ppt/slides/slide6.xml><?xml version="1.0" encoding="utf-8"?>
+<p:sld xmlns:a="http://schemas.openxmlformats.org/drawingml/2006/main" xmlns:r="http://schemas.openxmlformats.org/officeDocument/2006/relationships" xmlns:p="http://schemas.openxmlformats.org/presentationml/2006/main">
+  <p:cSld>
+    <p:spTree>
+      <p:nvGrpSpPr>
+        <p:cNvPr id="1" name=""/>
+        <p:cNvGrpSpPr/>
+        <p:nvPr/>
+      </p:nvGrpSpPr>
+      <p:grpSpPr>
+        <a:xfrm>
+          <a:off x="0" y="0"/>
+          <a:ext cx="0" cy="0"/>
+          <a:chOff x="0" y="0"/>
+          <a:chExt cx="0" cy="0"/>
+        </a:xfrm>
+      </p:grpSpPr>
+      <p:sp>
+        <p:nvSpPr>
+          <p:cNvPr id="2" name="Title 1">
+            <a:extLst>
+              <a:ext uri="{FF2B5EF4-FFF2-40B4-BE49-F238E27FC236}">
+                <a16:creationId xmlns:a16="http://schemas.microsoft.com/office/drawing/2014/main" id="{9B3F2CBF-43B3-401F-B3E7-14EDF87C8C10}"/>
+              </a:ext>
+            </a:extLst>
+          </p:cNvPr>
+          <p:cNvSpPr>
             <a:spLocks noGrp="1"/>
           </p:cNvSpPr>
           <p:nvPr>
@@ -8413,24 +8923,18 @@
         </p:nvSpPr>
         <p:spPr>
           <a:xfrm>
-            <a:off x="1393372" y="303354"/>
-            <a:ext cx="6917871" cy="956127"/>
+            <a:off x="1988471" y="475907"/>
+            <a:ext cx="9027858" cy="1878471"/>
           </a:xfrm>
-          <a:prstGeom prst="rect">
-            <a:avLst/>
-          </a:prstGeom>
         </p:spPr>
         <p:txBody>
-          <a:bodyPr>
-            <a:noAutofit/>
-          </a:bodyPr>
+          <a:bodyPr/>
           <a:lstStyle/>
           <a:p>
             <a:r>
-              <a:rPr lang="en-US" sz="6000" dirty="0"/>
-              <a:t>Domain Model V2.0</a:t>
-            </a:r>
-            <a:endParaRPr sz="6000" dirty="0"/>
+              <a:rPr lang="en-US" dirty="0"/>
+              <a:t>Operations V2.0</a:t>
+            </a:r>
           </a:p>
         </p:txBody>
       </p:sp>
@@ -8439,7 +8943,7 @@
           <p:cNvPr id="5" name="Picture 4">
             <a:extLst>
               <a:ext uri="{FF2B5EF4-FFF2-40B4-BE49-F238E27FC236}">
-                <a16:creationId xmlns:a16="http://schemas.microsoft.com/office/drawing/2014/main" id="{D98805F2-91EB-4B3F-8992-541E0BD4F611}"/>
+                <a16:creationId xmlns:a16="http://schemas.microsoft.com/office/drawing/2014/main" id="{14495ADA-57DC-46A2-B817-53A86B20AB83}"/>
               </a:ext>
             </a:extLst>
           </p:cNvPr>
@@ -8462,8 +8966,8 @@
         </p:blipFill>
         <p:spPr>
           <a:xfrm>
-            <a:off x="1393372" y="1561796"/>
-            <a:ext cx="7935686" cy="6932323"/>
+            <a:off x="1429212" y="1415143"/>
+            <a:ext cx="6245560" cy="7992830"/>
           </a:xfrm>
           <a:prstGeom prst="rect">
             <a:avLst/>
@@ -8473,7 +8977,7 @@
     </p:spTree>
     <p:extLst>
       <p:ext uri="{BB962C8B-B14F-4D97-AF65-F5344CB8AC3E}">
-        <p14:creationId xmlns:p14="http://schemas.microsoft.com/office/powerpoint/2010/main" val="3718677474"/>
+        <p14:creationId xmlns:p14="http://schemas.microsoft.com/office/powerpoint/2010/main" val="1806084740"/>
       </p:ext>
     </p:extLst>
   </p:cSld>
@@ -8484,8 +8988,162 @@
 </p:sld>
 </file>
 
-<file path=ppt/slides/slide6.xml><?xml version="1.0" encoding="utf-8"?>
+<file path=ppt/slides/slide7.xml><?xml version="1.0" encoding="utf-8"?>
 <p:sld xmlns:a="http://schemas.openxmlformats.org/drawingml/2006/main" xmlns:r="http://schemas.openxmlformats.org/officeDocument/2006/relationships" xmlns:p="http://schemas.openxmlformats.org/presentationml/2006/main">
+  <p:cSld>
+    <p:spTree>
+      <p:nvGrpSpPr>
+        <p:cNvPr id="1" name=""/>
+        <p:cNvGrpSpPr/>
+        <p:nvPr/>
+      </p:nvGrpSpPr>
+      <p:grpSpPr>
+        <a:xfrm>
+          <a:off x="0" y="0"/>
+          <a:ext cx="0" cy="0"/>
+          <a:chOff x="0" y="0"/>
+          <a:chExt cx="0" cy="0"/>
+        </a:xfrm>
+      </p:grpSpPr>
+      <p:sp>
+        <p:nvSpPr>
+          <p:cNvPr id="2" name="Title 1">
+            <a:extLst>
+              <a:ext uri="{FF2B5EF4-FFF2-40B4-BE49-F238E27FC236}">
+                <a16:creationId xmlns:a16="http://schemas.microsoft.com/office/drawing/2014/main" id="{12E26EAE-F44D-4683-A3DE-2851D0042153}"/>
+              </a:ext>
+            </a:extLst>
+          </p:cNvPr>
+          <p:cNvSpPr>
+            <a:spLocks noGrp="1"/>
+          </p:cNvSpPr>
+          <p:nvPr>
+            <p:ph type="title"/>
+          </p:nvPr>
+        </p:nvSpPr>
+        <p:spPr/>
+        <p:txBody>
+          <a:bodyPr>
+            <a:normAutofit fontScale="90000"/>
+          </a:bodyPr>
+          <a:lstStyle/>
+          <a:p>
+            <a:r>
+              <a:rPr lang="en-US" dirty="0"/>
+              <a:t>Use Cases, Use Case Diagrams, Requirements, and SSD</a:t>
+            </a:r>
+          </a:p>
+        </p:txBody>
+      </p:sp>
+      <p:sp>
+        <p:nvSpPr>
+          <p:cNvPr id="3" name="Text Placeholder 2">
+            <a:extLst>
+              <a:ext uri="{FF2B5EF4-FFF2-40B4-BE49-F238E27FC236}">
+                <a16:creationId xmlns:a16="http://schemas.microsoft.com/office/drawing/2014/main" id="{5D130217-16C9-4973-82E2-E387CADC033C}"/>
+              </a:ext>
+            </a:extLst>
+          </p:cNvPr>
+          <p:cNvSpPr>
+            <a:spLocks noGrp="1"/>
+          </p:cNvSpPr>
+          <p:nvPr>
+            <p:ph type="body" idx="1"/>
+          </p:nvPr>
+        </p:nvSpPr>
+        <p:spPr/>
+        <p:txBody>
+          <a:bodyPr/>
+          <a:lstStyle/>
+          <a:p>
+            <a:r>
+              <a:rPr lang="en-US" dirty="0"/>
+              <a:t>Nothing really changed…</a:t>
+            </a:r>
+          </a:p>
+        </p:txBody>
+      </p:sp>
+    </p:spTree>
+    <p:extLst>
+      <p:ext uri="{BB962C8B-B14F-4D97-AF65-F5344CB8AC3E}">
+        <p14:creationId xmlns:p14="http://schemas.microsoft.com/office/powerpoint/2010/main" val="3468186578"/>
+      </p:ext>
+    </p:extLst>
+  </p:cSld>
+  <p:clrMapOvr>
+    <a:masterClrMapping/>
+  </p:clrMapOvr>
+  <p:transition spd="med"/>
+</p:sld>
+</file>
+
+<file path=ppt/slides/slide8.xml><?xml version="1.0" encoding="utf-8"?>
+<p:sld xmlns:a="http://schemas.openxmlformats.org/drawingml/2006/main" xmlns:r="http://schemas.openxmlformats.org/officeDocument/2006/relationships" xmlns:p="http://schemas.openxmlformats.org/presentationml/2006/main">
+  <p:cSld>
+    <p:spTree>
+      <p:nvGrpSpPr>
+        <p:cNvPr id="1" name=""/>
+        <p:cNvGrpSpPr/>
+        <p:nvPr/>
+      </p:nvGrpSpPr>
+      <p:grpSpPr>
+        <a:xfrm>
+          <a:off x="0" y="0"/>
+          <a:ext cx="0" cy="0"/>
+          <a:chOff x="0" y="0"/>
+          <a:chExt cx="0" cy="0"/>
+        </a:xfrm>
+      </p:grpSpPr>
+      <p:sp>
+        <p:nvSpPr>
+          <p:cNvPr id="2" name="Title 1">
+            <a:extLst>
+              <a:ext uri="{FF2B5EF4-FFF2-40B4-BE49-F238E27FC236}">
+                <a16:creationId xmlns:a16="http://schemas.microsoft.com/office/drawing/2014/main" id="{56057312-82E2-4C89-A907-6364B1C38460}"/>
+              </a:ext>
+            </a:extLst>
+          </p:cNvPr>
+          <p:cNvSpPr>
+            <a:spLocks noGrp="1"/>
+          </p:cNvSpPr>
+          <p:nvPr>
+            <p:ph type="title"/>
+          </p:nvPr>
+        </p:nvSpPr>
+        <p:spPr>
+          <a:xfrm>
+            <a:off x="3392986" y="4056501"/>
+            <a:ext cx="9027858" cy="1878471"/>
+          </a:xfrm>
+        </p:spPr>
+        <p:txBody>
+          <a:bodyPr/>
+          <a:lstStyle/>
+          <a:p>
+            <a:r>
+              <a:rPr lang="en-US" dirty="0" err="1"/>
+              <a:t>BearRides</a:t>
+            </a:r>
+            <a:endParaRPr lang="en-US" dirty="0"/>
+          </a:p>
+        </p:txBody>
+      </p:sp>
+    </p:spTree>
+    <p:extLst>
+      <p:ext uri="{BB962C8B-B14F-4D97-AF65-F5344CB8AC3E}">
+        <p14:creationId xmlns:p14="http://schemas.microsoft.com/office/powerpoint/2010/main" val="956794991"/>
+      </p:ext>
+    </p:extLst>
+  </p:cSld>
+  <p:clrMapOvr>
+    <a:masterClrMapping/>
+  </p:clrMapOvr>
+  <p:transition spd="med"/>
+</p:sld>
+</file>
+
+<file path=ppt/slides/slide9.xml><?xml version="1.0" encoding="utf-8"?>
+<p:sld xmlns:a="http://schemas.openxmlformats.org/drawingml/2006/main" xmlns:r="http://schemas.openxmlformats.org/officeDocument/2006/relationships" xmlns:p="http://schemas.openxmlformats.org/presentationml/2006/main" show="0">
   <p:cSld>
     <p:spTree>
       <p:nvGrpSpPr>
@@ -8571,299 +9229,6 @@
         </p:spPr>
       </p:pic>
     </p:spTree>
-  </p:cSld>
-  <p:clrMapOvr>
-    <a:masterClrMapping/>
-  </p:clrMapOvr>
-  <p:transition spd="med"/>
-</p:sld>
-</file>
-
-<file path=ppt/slides/slide7.xml><?xml version="1.0" encoding="utf-8"?>
-<p:sld xmlns:a="http://schemas.openxmlformats.org/drawingml/2006/main" xmlns:r="http://schemas.openxmlformats.org/officeDocument/2006/relationships" xmlns:p="http://schemas.openxmlformats.org/presentationml/2006/main">
-  <p:cSld>
-    <p:spTree>
-      <p:nvGrpSpPr>
-        <p:cNvPr id="1" name=""/>
-        <p:cNvGrpSpPr/>
-        <p:nvPr/>
-      </p:nvGrpSpPr>
-      <p:grpSpPr>
-        <a:xfrm>
-          <a:off x="0" y="0"/>
-          <a:ext cx="0" cy="0"/>
-          <a:chOff x="0" y="0"/>
-          <a:chExt cx="0" cy="0"/>
-        </a:xfrm>
-      </p:grpSpPr>
-      <p:sp>
-        <p:nvSpPr>
-          <p:cNvPr id="152" name="Title"/>
-          <p:cNvSpPr txBox="1">
-            <a:spLocks noGrp="1"/>
-          </p:cNvSpPr>
-          <p:nvPr>
-            <p:ph type="title"/>
-          </p:nvPr>
-        </p:nvSpPr>
-        <p:spPr>
-          <a:xfrm>
-            <a:off x="866985" y="866988"/>
-            <a:ext cx="9027858" cy="929156"/>
-          </a:xfrm>
-          <a:prstGeom prst="rect">
-            <a:avLst/>
-          </a:prstGeom>
-        </p:spPr>
-        <p:txBody>
-          <a:bodyPr>
-            <a:normAutofit fontScale="90000"/>
-          </a:bodyPr>
-          <a:lstStyle/>
-          <a:p>
-            <a:r>
-              <a:rPr lang="en-US" dirty="0"/>
-              <a:t>Register Page Demo</a:t>
-            </a:r>
-            <a:br>
-              <a:rPr lang="en-US" dirty="0"/>
-            </a:br>
-            <a:endParaRPr dirty="0"/>
-          </a:p>
-        </p:txBody>
-      </p:sp>
-      <p:pic>
-        <p:nvPicPr>
-          <p:cNvPr id="5" name="Picture 4" descr="Design Preview [RegisterGUI]">
-            <a:extLst>
-              <a:ext uri="{FF2B5EF4-FFF2-40B4-BE49-F238E27FC236}">
-                <a16:creationId xmlns:a16="http://schemas.microsoft.com/office/drawing/2014/main" id="{C45AC925-C150-47E9-A4BD-B1622EC8D8D8}"/>
-              </a:ext>
-            </a:extLst>
-          </p:cNvPr>
-          <p:cNvPicPr>
-            <a:picLocks noChangeAspect="1"/>
-          </p:cNvPicPr>
-          <p:nvPr/>
-        </p:nvPicPr>
-        <p:blipFill>
-          <a:blip r:embed="rId2">
-            <a:extLst>
-              <a:ext uri="{28A0092B-C50C-407E-A947-70E740481C1C}">
-                <a14:useLocalDpi xmlns:a14="http://schemas.microsoft.com/office/drawing/2010/main" val="0"/>
-              </a:ext>
-            </a:extLst>
-          </a:blip>
-          <a:stretch>
-            <a:fillRect/>
-          </a:stretch>
-        </p:blipFill>
-        <p:spPr>
-          <a:xfrm>
-            <a:off x="866984" y="1796143"/>
-            <a:ext cx="9027857" cy="6796111"/>
-          </a:xfrm>
-          <a:prstGeom prst="rect">
-            <a:avLst/>
-          </a:prstGeom>
-        </p:spPr>
-      </p:pic>
-    </p:spTree>
-  </p:cSld>
-  <p:clrMapOvr>
-    <a:masterClrMapping/>
-  </p:clrMapOvr>
-  <p:transition spd="med"/>
-</p:sld>
-</file>
-
-<file path=ppt/slides/slide8.xml><?xml version="1.0" encoding="utf-8"?>
-<p:sld xmlns:a="http://schemas.openxmlformats.org/drawingml/2006/main" xmlns:r="http://schemas.openxmlformats.org/officeDocument/2006/relationships" xmlns:p="http://schemas.openxmlformats.org/presentationml/2006/main">
-  <p:cSld>
-    <p:spTree>
-      <p:nvGrpSpPr>
-        <p:cNvPr id="1" name=""/>
-        <p:cNvGrpSpPr/>
-        <p:nvPr/>
-      </p:nvGrpSpPr>
-      <p:grpSpPr>
-        <a:xfrm>
-          <a:off x="0" y="0"/>
-          <a:ext cx="0" cy="0"/>
-          <a:chOff x="0" y="0"/>
-          <a:chExt cx="0" cy="0"/>
-        </a:xfrm>
-      </p:grpSpPr>
-      <p:sp>
-        <p:nvSpPr>
-          <p:cNvPr id="156" name="Title"/>
-          <p:cNvSpPr txBox="1">
-            <a:spLocks noGrp="1"/>
-          </p:cNvSpPr>
-          <p:nvPr>
-            <p:ph type="title"/>
-          </p:nvPr>
-        </p:nvSpPr>
-        <p:spPr>
-          <a:xfrm>
-            <a:off x="866986" y="823444"/>
-            <a:ext cx="9027858" cy="972699"/>
-          </a:xfrm>
-          <a:prstGeom prst="rect">
-            <a:avLst/>
-          </a:prstGeom>
-        </p:spPr>
-        <p:txBody>
-          <a:bodyPr>
-            <a:normAutofit fontScale="90000"/>
-          </a:bodyPr>
-          <a:lstStyle/>
-          <a:p>
-            <a:r>
-              <a:rPr lang="en-US" dirty="0"/>
-              <a:t>Driver/Vehicle Info Page Demo</a:t>
-            </a:r>
-            <a:endParaRPr dirty="0"/>
-          </a:p>
-        </p:txBody>
-      </p:sp>
-      <p:pic>
-        <p:nvPicPr>
-          <p:cNvPr id="3" name="Picture 2" descr="Design Preview [Driver_VehicleInfoGUI]">
-            <a:extLst>
-              <a:ext uri="{FF2B5EF4-FFF2-40B4-BE49-F238E27FC236}">
-                <a16:creationId xmlns:a16="http://schemas.microsoft.com/office/drawing/2014/main" id="{BC23EE55-5F0B-4519-881A-F7573F0D4197}"/>
-              </a:ext>
-            </a:extLst>
-          </p:cNvPr>
-          <p:cNvPicPr>
-            <a:picLocks noChangeAspect="1"/>
-          </p:cNvPicPr>
-          <p:nvPr/>
-        </p:nvPicPr>
-        <p:blipFill>
-          <a:blip r:embed="rId2">
-            <a:extLst>
-              <a:ext uri="{28A0092B-C50C-407E-A947-70E740481C1C}">
-                <a14:useLocalDpi xmlns:a14="http://schemas.microsoft.com/office/drawing/2010/main" val="0"/>
-              </a:ext>
-            </a:extLst>
-          </a:blip>
-          <a:stretch>
-            <a:fillRect/>
-          </a:stretch>
-        </p:blipFill>
-        <p:spPr>
-          <a:xfrm>
-            <a:off x="866986" y="1580111"/>
-            <a:ext cx="9237979" cy="6954289"/>
-          </a:xfrm>
-          <a:prstGeom prst="rect">
-            <a:avLst/>
-          </a:prstGeom>
-        </p:spPr>
-      </p:pic>
-    </p:spTree>
-  </p:cSld>
-  <p:clrMapOvr>
-    <a:masterClrMapping/>
-  </p:clrMapOvr>
-  <p:transition spd="med"/>
-</p:sld>
-</file>
-
-<file path=ppt/slides/slide9.xml><?xml version="1.0" encoding="utf-8"?>
-<p:sld xmlns:a="http://schemas.openxmlformats.org/drawingml/2006/main" xmlns:r="http://schemas.openxmlformats.org/officeDocument/2006/relationships" xmlns:p="http://schemas.openxmlformats.org/presentationml/2006/main">
-  <p:cSld>
-    <p:spTree>
-      <p:nvGrpSpPr>
-        <p:cNvPr id="1" name=""/>
-        <p:cNvGrpSpPr/>
-        <p:nvPr/>
-      </p:nvGrpSpPr>
-      <p:grpSpPr>
-        <a:xfrm>
-          <a:off x="0" y="0"/>
-          <a:ext cx="0" cy="0"/>
-          <a:chOff x="0" y="0"/>
-          <a:chExt cx="0" cy="0"/>
-        </a:xfrm>
-      </p:grpSpPr>
-      <p:sp>
-        <p:nvSpPr>
-          <p:cNvPr id="156" name="Title"/>
-          <p:cNvSpPr txBox="1">
-            <a:spLocks noGrp="1"/>
-          </p:cNvSpPr>
-          <p:nvPr>
-            <p:ph type="title"/>
-          </p:nvPr>
-        </p:nvSpPr>
-        <p:spPr>
-          <a:xfrm>
-            <a:off x="866986" y="823444"/>
-            <a:ext cx="9027858" cy="972699"/>
-          </a:xfrm>
-          <a:prstGeom prst="rect">
-            <a:avLst/>
-          </a:prstGeom>
-        </p:spPr>
-        <p:txBody>
-          <a:bodyPr>
-            <a:normAutofit/>
-          </a:bodyPr>
-          <a:lstStyle/>
-          <a:p>
-            <a:r>
-              <a:rPr lang="en-US" dirty="0"/>
-              <a:t>Message Board Demo</a:t>
-            </a:r>
-            <a:endParaRPr dirty="0"/>
-          </a:p>
-        </p:txBody>
-      </p:sp>
-      <p:pic>
-        <p:nvPicPr>
-          <p:cNvPr id="6" name="Picture 5" descr="Design Preview [MessageBoardGUI]">
-            <a:extLst>
-              <a:ext uri="{FF2B5EF4-FFF2-40B4-BE49-F238E27FC236}">
-                <a16:creationId xmlns:a16="http://schemas.microsoft.com/office/drawing/2014/main" id="{F1B513D0-8F3B-4AD3-88C5-E9E01A0F1BE8}"/>
-              </a:ext>
-            </a:extLst>
-          </p:cNvPr>
-          <p:cNvPicPr>
-            <a:picLocks noChangeAspect="1"/>
-          </p:cNvPicPr>
-          <p:nvPr/>
-        </p:nvPicPr>
-        <p:blipFill>
-          <a:blip r:embed="rId2">
-            <a:extLst>
-              <a:ext uri="{28A0092B-C50C-407E-A947-70E740481C1C}">
-                <a14:useLocalDpi xmlns:a14="http://schemas.microsoft.com/office/drawing/2010/main" val="0"/>
-              </a:ext>
-            </a:extLst>
-          </a:blip>
-          <a:stretch>
-            <a:fillRect/>
-          </a:stretch>
-        </p:blipFill>
-        <p:spPr>
-          <a:xfrm>
-            <a:off x="866985" y="1796143"/>
-            <a:ext cx="9211293" cy="6934200"/>
-          </a:xfrm>
-          <a:prstGeom prst="rect">
-            <a:avLst/>
-          </a:prstGeom>
-        </p:spPr>
-      </p:pic>
-    </p:spTree>
-    <p:extLst>
-      <p:ext uri="{BB962C8B-B14F-4D97-AF65-F5344CB8AC3E}">
-        <p14:creationId xmlns:p14="http://schemas.microsoft.com/office/powerpoint/2010/main" val="1521440304"/>
-      </p:ext>
-    </p:extLst>
   </p:cSld>
   <p:clrMapOvr>
     <a:masterClrMapping/>
